--- a/public/Logo.pptx
+++ b/public/Logo.pptx
@@ -3380,8 +3380,8 @@
         </p:blipFill>
         <p:spPr>
           <a:xfrm>
-            <a:off x="520548" y="87042"/>
-            <a:ext cx="10566399" cy="6683916"/>
+            <a:off x="1709022" y="919423"/>
+            <a:ext cx="8773957" cy="5550083"/>
           </a:xfrm>
           <a:prstGeom prst="rect">
             <a:avLst/>
